--- a/Presentation/Project_3_COVID19_MLModels_LabTests_Presentation.pptx
+++ b/Presentation/Project_3_COVID19_MLModels_LabTests_Presentation.pptx
@@ -26,7 +26,7 @@
     <p:sldId id="281" r:id="rId17"/>
     <p:sldId id="282" r:id="rId18"/>
     <p:sldId id="339" r:id="rId19"/>
-    <p:sldId id="336" r:id="rId20"/>
+    <p:sldId id="340" r:id="rId20"/>
     <p:sldId id="256" r:id="rId21"/>
   </p:sldIdLst>
   <p:sldSz cx="12192000" cy="6858000"/>
@@ -3315,6 +3315,90 @@
 </p:notes>
 </file>
 
+<file path=ppt/notesSlides/notesSlide10.xml><?xml version="1.0" encoding="utf-8"?>
+<p:notes xmlns:a="http://schemas.openxmlformats.org/drawingml/2006/main" xmlns:r="http://schemas.openxmlformats.org/officeDocument/2006/relationships" xmlns:p="http://schemas.openxmlformats.org/presentationml/2006/main">
+  <p:cSld>
+    <p:spTree>
+      <p:nvGrpSpPr>
+        <p:cNvPr id="1" name=""/>
+        <p:cNvGrpSpPr/>
+        <p:nvPr/>
+      </p:nvGrpSpPr>
+      <p:grpSpPr>
+        <a:xfrm>
+          <a:off x="0" y="0"/>
+          <a:ext cx="0" cy="0"/>
+          <a:chOff x="0" y="0"/>
+          <a:chExt cx="0" cy="0"/>
+        </a:xfrm>
+      </p:grpSpPr>
+      <p:sp>
+        <p:nvSpPr>
+          <p:cNvPr id="2" name="Slide Image Placeholder 1"/>
+          <p:cNvSpPr>
+            <a:spLocks noGrp="1" noRot="1" noChangeAspect="1"/>
+          </p:cNvSpPr>
+          <p:nvPr>
+            <p:ph type="sldImg"/>
+          </p:nvPr>
+        </p:nvSpPr>
+        <p:spPr/>
+      </p:sp>
+      <p:sp>
+        <p:nvSpPr>
+          <p:cNvPr id="3" name="Notes Placeholder 2"/>
+          <p:cNvSpPr>
+            <a:spLocks noGrp="1"/>
+          </p:cNvSpPr>
+          <p:nvPr>
+            <p:ph type="body" idx="1"/>
+          </p:nvPr>
+        </p:nvSpPr>
+        <p:spPr/>
+        <p:txBody>
+          <a:bodyPr/>
+          <a:lstStyle/>
+          <a:p>
+            <a:endParaRPr lang="en-US" dirty="0"/>
+          </a:p>
+        </p:txBody>
+      </p:sp>
+      <p:sp>
+        <p:nvSpPr>
+          <p:cNvPr id="4" name="Slide Number Placeholder 3"/>
+          <p:cNvSpPr>
+            <a:spLocks noGrp="1"/>
+          </p:cNvSpPr>
+          <p:nvPr>
+            <p:ph type="sldNum" sz="quarter" idx="5"/>
+          </p:nvPr>
+        </p:nvSpPr>
+        <p:spPr/>
+        <p:txBody>
+          <a:bodyPr/>
+          <a:lstStyle/>
+          <a:p>
+            <a:fld id="{91B5946F-1EBA-3E43-AD0A-6E228CF90309}" type="slidenum">
+              <a:rPr lang="en-US" smtClean="0"/>
+              <a:t>18</a:t>
+            </a:fld>
+            <a:endParaRPr lang="en-US"/>
+          </a:p>
+        </p:txBody>
+      </p:sp>
+    </p:spTree>
+    <p:extLst>
+      <p:ext uri="{BB962C8B-B14F-4D97-AF65-F5344CB8AC3E}">
+        <p14:creationId xmlns:p14="http://schemas.microsoft.com/office/powerpoint/2010/main" val="2399837389"/>
+      </p:ext>
+    </p:extLst>
+  </p:cSld>
+  <p:clrMapOvr>
+    <a:masterClrMapping/>
+  </p:clrMapOvr>
+</p:notes>
+</file>
+
 <file path=ppt/notesSlides/notesSlide2.xml><?xml version="1.0" encoding="utf-8"?>
 <p:notes xmlns:a="http://schemas.openxmlformats.org/drawingml/2006/main" xmlns:r="http://schemas.openxmlformats.org/officeDocument/2006/relationships" xmlns:p="http://schemas.openxmlformats.org/presentationml/2006/main">
   <p:cSld>
@@ -3359,7 +3443,7 @@
           <a:bodyPr/>
           <a:lstStyle/>
           <a:p>
-            <a:endParaRPr lang="en-US"/>
+            <a:endParaRPr lang="en-US" dirty="0"/>
           </a:p>
         </p:txBody>
       </p:sp>
@@ -3380,7 +3464,7 @@
           <a:p>
             <a:fld id="{91B5946F-1EBA-3E43-AD0A-6E228CF90309}" type="slidenum">
               <a:rPr lang="en-US" smtClean="0"/>
-              <a:t>5</a:t>
+              <a:t>3</a:t>
             </a:fld>
             <a:endParaRPr lang="en-US"/>
           </a:p>
@@ -3389,7 +3473,7 @@
     </p:spTree>
     <p:extLst>
       <p:ext uri="{BB962C8B-B14F-4D97-AF65-F5344CB8AC3E}">
-        <p14:creationId xmlns:p14="http://schemas.microsoft.com/office/powerpoint/2010/main" val="1165800202"/>
+        <p14:creationId xmlns:p14="http://schemas.microsoft.com/office/powerpoint/2010/main" val="3009906806"/>
       </p:ext>
     </p:extLst>
   </p:cSld>
@@ -3464,7 +3548,7 @@
           <a:p>
             <a:fld id="{91B5946F-1EBA-3E43-AD0A-6E228CF90309}" type="slidenum">
               <a:rPr lang="en-US" smtClean="0"/>
-              <a:t>6</a:t>
+              <a:t>5</a:t>
             </a:fld>
             <a:endParaRPr lang="en-US"/>
           </a:p>
@@ -3473,7 +3557,7 @@
     </p:spTree>
     <p:extLst>
       <p:ext uri="{BB962C8B-B14F-4D97-AF65-F5344CB8AC3E}">
-        <p14:creationId xmlns:p14="http://schemas.microsoft.com/office/powerpoint/2010/main" val="950076699"/>
+        <p14:creationId xmlns:p14="http://schemas.microsoft.com/office/powerpoint/2010/main" val="1165800202"/>
       </p:ext>
     </p:extLst>
   </p:cSld>
@@ -3527,7 +3611,7 @@
           <a:bodyPr/>
           <a:lstStyle/>
           <a:p>
-            <a:endParaRPr lang="en-US" dirty="0"/>
+            <a:endParaRPr lang="en-US"/>
           </a:p>
         </p:txBody>
       </p:sp>
@@ -3548,7 +3632,7 @@
           <a:p>
             <a:fld id="{91B5946F-1EBA-3E43-AD0A-6E228CF90309}" type="slidenum">
               <a:rPr lang="en-US" smtClean="0"/>
-              <a:t>8</a:t>
+              <a:t>6</a:t>
             </a:fld>
             <a:endParaRPr lang="en-US"/>
           </a:p>
@@ -3557,7 +3641,7 @@
     </p:spTree>
     <p:extLst>
       <p:ext uri="{BB962C8B-B14F-4D97-AF65-F5344CB8AC3E}">
-        <p14:creationId xmlns:p14="http://schemas.microsoft.com/office/powerpoint/2010/main" val="2679204001"/>
+        <p14:creationId xmlns:p14="http://schemas.microsoft.com/office/powerpoint/2010/main" val="950076699"/>
       </p:ext>
     </p:extLst>
   </p:cSld>
@@ -3632,7 +3716,7 @@
           <a:p>
             <a:fld id="{91B5946F-1EBA-3E43-AD0A-6E228CF90309}" type="slidenum">
               <a:rPr lang="en-US" smtClean="0"/>
-              <a:t>9</a:t>
+              <a:t>8</a:t>
             </a:fld>
             <a:endParaRPr lang="en-US"/>
           </a:p>
@@ -3641,7 +3725,7 @@
     </p:spTree>
     <p:extLst>
       <p:ext uri="{BB962C8B-B14F-4D97-AF65-F5344CB8AC3E}">
-        <p14:creationId xmlns:p14="http://schemas.microsoft.com/office/powerpoint/2010/main" val="3617392377"/>
+        <p14:creationId xmlns:p14="http://schemas.microsoft.com/office/powerpoint/2010/main" val="2679204001"/>
       </p:ext>
     </p:extLst>
   </p:cSld>
@@ -3716,7 +3800,7 @@
           <a:p>
             <a:fld id="{91B5946F-1EBA-3E43-AD0A-6E228CF90309}" type="slidenum">
               <a:rPr lang="en-US" smtClean="0"/>
-              <a:t>10</a:t>
+              <a:t>9</a:t>
             </a:fld>
             <a:endParaRPr lang="en-US"/>
           </a:p>
@@ -3725,7 +3809,7 @@
     </p:spTree>
     <p:extLst>
       <p:ext uri="{BB962C8B-B14F-4D97-AF65-F5344CB8AC3E}">
-        <p14:creationId xmlns:p14="http://schemas.microsoft.com/office/powerpoint/2010/main" val="1862750023"/>
+        <p14:creationId xmlns:p14="http://schemas.microsoft.com/office/powerpoint/2010/main" val="3617392377"/>
       </p:ext>
     </p:extLst>
   </p:cSld>
@@ -3800,7 +3884,7 @@
           <a:p>
             <a:fld id="{91B5946F-1EBA-3E43-AD0A-6E228CF90309}" type="slidenum">
               <a:rPr lang="en-US" smtClean="0"/>
-              <a:t>11</a:t>
+              <a:t>10</a:t>
             </a:fld>
             <a:endParaRPr lang="en-US"/>
           </a:p>
@@ -3809,7 +3893,7 @@
     </p:spTree>
     <p:extLst>
       <p:ext uri="{BB962C8B-B14F-4D97-AF65-F5344CB8AC3E}">
-        <p14:creationId xmlns:p14="http://schemas.microsoft.com/office/powerpoint/2010/main" val="2652687719"/>
+        <p14:creationId xmlns:p14="http://schemas.microsoft.com/office/powerpoint/2010/main" val="1862750023"/>
       </p:ext>
     </p:extLst>
   </p:cSld>
@@ -3884,7 +3968,7 @@
           <a:p>
             <a:fld id="{91B5946F-1EBA-3E43-AD0A-6E228CF90309}" type="slidenum">
               <a:rPr lang="en-US" smtClean="0"/>
-              <a:t>17</a:t>
+              <a:t>11</a:t>
             </a:fld>
             <a:endParaRPr lang="en-US"/>
           </a:p>
@@ -3893,7 +3977,7 @@
     </p:spTree>
     <p:extLst>
       <p:ext uri="{BB962C8B-B14F-4D97-AF65-F5344CB8AC3E}">
-        <p14:creationId xmlns:p14="http://schemas.microsoft.com/office/powerpoint/2010/main" val="3670516249"/>
+        <p14:creationId xmlns:p14="http://schemas.microsoft.com/office/powerpoint/2010/main" val="2652687719"/>
       </p:ext>
     </p:extLst>
   </p:cSld>
@@ -3968,7 +4052,7 @@
           <a:p>
             <a:fld id="{91B5946F-1EBA-3E43-AD0A-6E228CF90309}" type="slidenum">
               <a:rPr lang="en-US" smtClean="0"/>
-              <a:t>18</a:t>
+              <a:t>17</a:t>
             </a:fld>
             <a:endParaRPr lang="en-US"/>
           </a:p>
@@ -3977,7 +4061,7 @@
     </p:spTree>
     <p:extLst>
       <p:ext uri="{BB962C8B-B14F-4D97-AF65-F5344CB8AC3E}">
-        <p14:creationId xmlns:p14="http://schemas.microsoft.com/office/powerpoint/2010/main" val="2399837389"/>
+        <p14:creationId xmlns:p14="http://schemas.microsoft.com/office/powerpoint/2010/main" val="3670516249"/>
       </p:ext>
     </p:extLst>
   </p:cSld>
@@ -14164,14 +14248,6 @@
 <file path=ppt/slides/slide19.xml><?xml version="1.0" encoding="utf-8"?>
 <p:sld xmlns:a="http://schemas.openxmlformats.org/drawingml/2006/main" xmlns:r="http://schemas.openxmlformats.org/officeDocument/2006/relationships" xmlns:p="http://schemas.openxmlformats.org/presentationml/2006/main">
   <p:cSld>
-    <p:bg>
-      <p:bgPr>
-        <a:solidFill>
-          <a:schemeClr val="bg1"/>
-        </a:solidFill>
-        <a:effectLst/>
-      </p:bgPr>
-    </p:bg>
     <p:spTree>
       <p:nvGrpSpPr>
         <p:cNvPr id="1" name=""/>
@@ -14188,683 +14264,10 @@
       </p:grpSpPr>
       <p:sp>
         <p:nvSpPr>
-          <p:cNvPr id="38" name="Rectangle 37">
-            <a:extLst>
-              <a:ext uri="{FF2B5EF4-FFF2-40B4-BE49-F238E27FC236}">
-                <a16:creationId xmlns:a16="http://schemas.microsoft.com/office/drawing/2014/main" id="{904DB13E-F722-4ED6-BB00-556651E95281}"/>
-              </a:ext>
-              <a:ext uri="{C183D7F6-B498-43B3-948B-1728B52AA6E4}">
-                <adec:decorative xmlns:adec="http://schemas.microsoft.com/office/drawing/2017/decorative" val="1"/>
-              </a:ext>
-            </a:extLst>
-          </p:cNvPr>
-          <p:cNvSpPr>
-            <a:spLocks noGrp="1" noRot="1" noChangeAspect="1" noMove="1" noResize="1" noEditPoints="1" noAdjustHandles="1" noChangeArrowheads="1" noChangeShapeType="1" noTextEdit="1"/>
-          </p:cNvSpPr>
-          <p:nvPr>
-            <p:extLst>
-              <p:ext uri="{386F3935-93C4-4BCD-93E2-E3B085C9AB24}">
-                <p16:designElem xmlns:p16="http://schemas.microsoft.com/office/powerpoint/2015/main" val="1"/>
-              </p:ext>
-            </p:extLst>
-          </p:nvPr>
-        </p:nvSpPr>
-        <p:spPr>
-          <a:xfrm>
-            <a:off x="0" y="0"/>
-            <a:ext cx="12192000" cy="6858000"/>
-          </a:xfrm>
-          <a:prstGeom prst="rect">
-            <a:avLst/>
-          </a:prstGeom>
-          <a:solidFill>
-            <a:schemeClr val="tx1">
-              <a:lumMod val="65000"/>
-              <a:lumOff val="35000"/>
-            </a:schemeClr>
-          </a:solidFill>
-          <a:ln>
-            <a:noFill/>
-          </a:ln>
-        </p:spPr>
-        <p:style>
-          <a:lnRef idx="2">
-            <a:schemeClr val="accent1">
-              <a:shade val="50000"/>
-            </a:schemeClr>
-          </a:lnRef>
-          <a:fillRef idx="1">
-            <a:schemeClr val="accent1"/>
-          </a:fillRef>
-          <a:effectRef idx="0">
-            <a:schemeClr val="accent1"/>
-          </a:effectRef>
-          <a:fontRef idx="minor">
-            <a:schemeClr val="lt1"/>
-          </a:fontRef>
-        </p:style>
-        <p:txBody>
-          <a:bodyPr rtlCol="0" anchor="ctr"/>
-          <a:lstStyle/>
-          <a:p>
-            <a:pPr algn="ctr"/>
-            <a:endParaRPr lang="en-US"/>
-          </a:p>
-        </p:txBody>
-      </p:sp>
-      <p:sp useBgFill="1">
-        <p:nvSpPr>
-          <p:cNvPr id="40" name="Rectangle 39">
-            <a:extLst>
-              <a:ext uri="{FF2B5EF4-FFF2-40B4-BE49-F238E27FC236}">
-                <a16:creationId xmlns:a16="http://schemas.microsoft.com/office/drawing/2014/main" id="{7B58A187-A4B1-42EB-A4C7-8635BA507BCE}"/>
-              </a:ext>
-              <a:ext uri="{C183D7F6-B498-43B3-948B-1728B52AA6E4}">
-                <adec:decorative xmlns:adec="http://schemas.microsoft.com/office/drawing/2017/decorative" val="1"/>
-              </a:ext>
-            </a:extLst>
-          </p:cNvPr>
-          <p:cNvSpPr>
-            <a:spLocks noGrp="1" noRot="1" noChangeAspect="1" noMove="1" noResize="1" noEditPoints="1" noAdjustHandles="1" noChangeArrowheads="1" noChangeShapeType="1" noTextEdit="1"/>
-          </p:cNvSpPr>
-          <p:nvPr>
-            <p:extLst>
-              <p:ext uri="{386F3935-93C4-4BCD-93E2-E3B085C9AB24}">
-                <p16:designElem xmlns:p16="http://schemas.microsoft.com/office/powerpoint/2015/main" val="1"/>
-              </p:ext>
-            </p:extLst>
-          </p:nvPr>
-        </p:nvSpPr>
-        <p:spPr>
-          <a:xfrm>
-            <a:off x="1307870" y="1267730"/>
-            <a:ext cx="9576262" cy="4307950"/>
-          </a:xfrm>
-          <a:prstGeom prst="rect">
-            <a:avLst/>
-          </a:prstGeom>
-          <a:ln w="6350" cap="flat" cmpd="sng" algn="ctr">
-            <a:noFill/>
-            <a:prstDash val="solid"/>
-          </a:ln>
-          <a:effectLst>
-            <a:outerShdw blurRad="50800" algn="ctr" rotWithShape="0">
-              <a:prstClr val="black">
-                <a:alpha val="66000"/>
-              </a:prstClr>
-            </a:outerShdw>
-            <a:softEdge rad="0"/>
-          </a:effectLst>
-        </p:spPr>
-      </p:sp>
-      <p:sp>
-        <p:nvSpPr>
-          <p:cNvPr id="42" name="Rectangle 41">
-            <a:extLst>
-              <a:ext uri="{FF2B5EF4-FFF2-40B4-BE49-F238E27FC236}">
-                <a16:creationId xmlns:a16="http://schemas.microsoft.com/office/drawing/2014/main" id="{37F14E7F-3054-458C-ACF9-A8DA1757C65C}"/>
-              </a:ext>
-              <a:ext uri="{C183D7F6-B498-43B3-948B-1728B52AA6E4}">
-                <adec:decorative xmlns:adec="http://schemas.microsoft.com/office/drawing/2017/decorative" val="1"/>
-              </a:ext>
-            </a:extLst>
-          </p:cNvPr>
-          <p:cNvSpPr>
-            <a:spLocks noGrp="1" noRot="1" noChangeAspect="1" noMove="1" noResize="1" noEditPoints="1" noAdjustHandles="1" noChangeArrowheads="1" noChangeShapeType="1" noTextEdit="1"/>
-          </p:cNvSpPr>
-          <p:nvPr>
-            <p:extLst>
-              <p:ext uri="{386F3935-93C4-4BCD-93E2-E3B085C9AB24}">
-                <p16:designElem xmlns:p16="http://schemas.microsoft.com/office/powerpoint/2015/main" val="1"/>
-              </p:ext>
-            </p:extLst>
-          </p:nvPr>
-        </p:nvSpPr>
-        <p:spPr>
-          <a:xfrm>
-            <a:off x="1447801" y="1411615"/>
-            <a:ext cx="9296400" cy="4034770"/>
-          </a:xfrm>
-          <a:prstGeom prst="rect">
-            <a:avLst/>
-          </a:prstGeom>
-          <a:noFill/>
-          <a:ln w="6350" cap="sq" cmpd="sng" algn="ctr">
-            <a:solidFill>
-              <a:schemeClr val="tx1">
-                <a:lumMod val="75000"/>
-                <a:lumOff val="25000"/>
-              </a:schemeClr>
-            </a:solidFill>
-            <a:prstDash val="solid"/>
-            <a:miter lim="800000"/>
-          </a:ln>
-          <a:effectLst/>
-        </p:spPr>
-      </p:sp>
-      <p:sp>
-        <p:nvSpPr>
-          <p:cNvPr id="44" name="Rectangle 43">
-            <a:extLst>
-              <a:ext uri="{FF2B5EF4-FFF2-40B4-BE49-F238E27FC236}">
-                <a16:creationId xmlns:a16="http://schemas.microsoft.com/office/drawing/2014/main" id="{93747C1C-97FC-4D70-A6C8-A01FBCF5A9DC}"/>
-              </a:ext>
-              <a:ext uri="{C183D7F6-B498-43B3-948B-1728B52AA6E4}">
-                <adec:decorative xmlns:adec="http://schemas.microsoft.com/office/drawing/2017/decorative" val="1"/>
-              </a:ext>
-            </a:extLst>
-          </p:cNvPr>
-          <p:cNvSpPr>
-            <a:spLocks noGrp="1" noRot="1" noChangeAspect="1" noMove="1" noResize="1" noEditPoints="1" noAdjustHandles="1" noChangeArrowheads="1" noChangeShapeType="1" noTextEdit="1"/>
-          </p:cNvSpPr>
-          <p:nvPr>
-            <p:extLst>
-              <p:ext uri="{386F3935-93C4-4BCD-93E2-E3B085C9AB24}">
-                <p16:designElem xmlns:p16="http://schemas.microsoft.com/office/powerpoint/2015/main" val="1"/>
-              </p:ext>
-            </p:extLst>
-          </p:nvPr>
-        </p:nvSpPr>
-        <p:spPr>
-          <a:xfrm>
-            <a:off x="5135880" y="1267730"/>
-            <a:ext cx="1920240" cy="731520"/>
-          </a:xfrm>
-          <a:prstGeom prst="rect">
-            <a:avLst/>
-          </a:prstGeom>
-          <a:solidFill>
-            <a:schemeClr val="accent1"/>
-          </a:solidFill>
-          <a:ln>
-            <a:noFill/>
-          </a:ln>
-        </p:spPr>
-        <p:style>
-          <a:lnRef idx="2">
-            <a:schemeClr val="accent1">
-              <a:shade val="50000"/>
-            </a:schemeClr>
-          </a:lnRef>
-          <a:fillRef idx="1">
-            <a:schemeClr val="accent1"/>
-          </a:fillRef>
-          <a:effectRef idx="0">
-            <a:schemeClr val="accent1"/>
-          </a:effectRef>
-          <a:fontRef idx="minor">
-            <a:schemeClr val="lt1"/>
-          </a:fontRef>
-        </p:style>
-      </p:sp>
-      <p:grpSp>
-        <p:nvGrpSpPr>
-          <p:cNvPr id="46" name="Group 45">
-            <a:extLst>
-              <a:ext uri="{FF2B5EF4-FFF2-40B4-BE49-F238E27FC236}">
-                <a16:creationId xmlns:a16="http://schemas.microsoft.com/office/drawing/2014/main" id="{E26428D7-C6F3-473D-A360-A3F5C3E8728C}"/>
-              </a:ext>
-              <a:ext uri="{C183D7F6-B498-43B3-948B-1728B52AA6E4}">
-                <adec:decorative xmlns:adec="http://schemas.microsoft.com/office/drawing/2017/decorative" val="1"/>
-              </a:ext>
-            </a:extLst>
-          </p:cNvPr>
-          <p:cNvGrpSpPr>
-            <a:grpSpLocks noGrp="1" noUngrp="1" noRot="1" noChangeAspect="1" noMove="1" noResize="1"/>
-          </p:cNvGrpSpPr>
-          <p:nvPr>
-            <p:extLst>
-              <p:ext uri="{386F3935-93C4-4BCD-93E2-E3B085C9AB24}">
-                <p16:designElem xmlns:p16="http://schemas.microsoft.com/office/powerpoint/2015/main" val="1"/>
-              </p:ext>
-            </p:extLst>
-          </p:nvPr>
-        </p:nvGrpSpPr>
-        <p:grpSpPr>
-          <a:xfrm>
-            <a:off x="5250180" y="1267730"/>
-            <a:ext cx="1691640" cy="615934"/>
-            <a:chOff x="5250180" y="1267730"/>
-            <a:chExt cx="1691640" cy="615934"/>
-          </a:xfrm>
-        </p:grpSpPr>
-        <p:cxnSp>
-          <p:nvCxnSpPr>
-            <p:cNvPr id="47" name="Straight Connector 46">
-              <a:extLst>
-                <a:ext uri="{FF2B5EF4-FFF2-40B4-BE49-F238E27FC236}">
-                  <a16:creationId xmlns:a16="http://schemas.microsoft.com/office/drawing/2014/main" id="{05CDC370-AE44-4300-98BA-FE204E881765}"/>
-                </a:ext>
-                <a:ext uri="{C183D7F6-B498-43B3-948B-1728B52AA6E4}">
-                  <adec:decorative xmlns:adec="http://schemas.microsoft.com/office/drawing/2017/decorative" val="1"/>
-                </a:ext>
-              </a:extLst>
-            </p:cNvPr>
-            <p:cNvCxnSpPr/>
-            <p:nvPr>
-              <p:extLst>
-                <p:ext uri="{386F3935-93C4-4BCD-93E2-E3B085C9AB24}">
-                  <p16:designElem xmlns:p16="http://schemas.microsoft.com/office/powerpoint/2015/main" val="1"/>
-                </p:ext>
-              </p:extLst>
-            </p:nvPr>
-          </p:nvCxnSpPr>
-          <p:spPr>
-            <a:xfrm>
-              <a:off x="5250180" y="1267730"/>
-              <a:ext cx="0" cy="612648"/>
-            </a:xfrm>
-            <a:prstGeom prst="line">
-              <a:avLst/>
-            </a:prstGeom>
-            <a:solidFill>
-              <a:schemeClr val="tx1">
-                <a:lumMod val="85000"/>
-                <a:lumOff val="15000"/>
-              </a:schemeClr>
-            </a:solidFill>
-            <a:ln>
-              <a:solidFill>
-                <a:srgbClr val="FFFFFF"/>
-              </a:solidFill>
-              <a:miter lim="800000"/>
-            </a:ln>
-          </p:spPr>
-          <p:style>
-            <a:lnRef idx="1">
-              <a:schemeClr val="accent1"/>
-            </a:lnRef>
-            <a:fillRef idx="0">
-              <a:schemeClr val="accent1"/>
-            </a:fillRef>
-            <a:effectRef idx="0">
-              <a:schemeClr val="accent1"/>
-            </a:effectRef>
-            <a:fontRef idx="minor">
-              <a:schemeClr val="tx1"/>
-            </a:fontRef>
-          </p:style>
-        </p:cxnSp>
-        <p:cxnSp>
-          <p:nvCxnSpPr>
-            <p:cNvPr id="48" name="Straight Connector 47">
-              <a:extLst>
-                <a:ext uri="{FF2B5EF4-FFF2-40B4-BE49-F238E27FC236}">
-                  <a16:creationId xmlns:a16="http://schemas.microsoft.com/office/drawing/2014/main" id="{47B15501-CB9A-4642-80EE-2876EF039EB8}"/>
-                </a:ext>
-                <a:ext uri="{C183D7F6-B498-43B3-948B-1728B52AA6E4}">
-                  <adec:decorative xmlns:adec="http://schemas.microsoft.com/office/drawing/2017/decorative" val="1"/>
-                </a:ext>
-              </a:extLst>
-            </p:cNvPr>
-            <p:cNvCxnSpPr/>
-            <p:nvPr>
-              <p:extLst>
-                <p:ext uri="{386F3935-93C4-4BCD-93E2-E3B085C9AB24}">
-                  <p16:designElem xmlns:p16="http://schemas.microsoft.com/office/powerpoint/2015/main" val="1"/>
-                </p:ext>
-              </p:extLst>
-            </p:nvPr>
-          </p:nvCxnSpPr>
-          <p:spPr>
-            <a:xfrm>
-              <a:off x="6941820" y="1267730"/>
-              <a:ext cx="0" cy="612648"/>
-            </a:xfrm>
-            <a:prstGeom prst="line">
-              <a:avLst/>
-            </a:prstGeom>
-            <a:solidFill>
-              <a:schemeClr val="tx1">
-                <a:lumMod val="85000"/>
-                <a:lumOff val="15000"/>
-              </a:schemeClr>
-            </a:solidFill>
-            <a:ln>
-              <a:solidFill>
-                <a:srgbClr val="FFFFFF"/>
-              </a:solidFill>
-              <a:miter lim="800000"/>
-            </a:ln>
-          </p:spPr>
-          <p:style>
-            <a:lnRef idx="1">
-              <a:schemeClr val="accent1"/>
-            </a:lnRef>
-            <a:fillRef idx="0">
-              <a:schemeClr val="accent1"/>
-            </a:fillRef>
-            <a:effectRef idx="0">
-              <a:schemeClr val="accent1"/>
-            </a:effectRef>
-            <a:fontRef idx="minor">
-              <a:schemeClr val="tx1"/>
-            </a:fontRef>
-          </p:style>
-        </p:cxnSp>
-        <p:cxnSp>
-          <p:nvCxnSpPr>
-            <p:cNvPr id="49" name="Straight Connector 48">
-              <a:extLst>
-                <a:ext uri="{FF2B5EF4-FFF2-40B4-BE49-F238E27FC236}">
-                  <a16:creationId xmlns:a16="http://schemas.microsoft.com/office/drawing/2014/main" id="{6AFF9525-325F-47B3-A63C-93C12253AD76}"/>
-                </a:ext>
-                <a:ext uri="{C183D7F6-B498-43B3-948B-1728B52AA6E4}">
-                  <adec:decorative xmlns:adec="http://schemas.microsoft.com/office/drawing/2017/decorative" val="1"/>
-                </a:ext>
-              </a:extLst>
-            </p:cNvPr>
-            <p:cNvCxnSpPr/>
-            <p:nvPr>
-              <p:extLst>
-                <p:ext uri="{386F3935-93C4-4BCD-93E2-E3B085C9AB24}">
-                  <p16:designElem xmlns:p16="http://schemas.microsoft.com/office/powerpoint/2015/main" val="1"/>
-                </p:ext>
-              </p:extLst>
-            </p:nvPr>
-          </p:nvCxnSpPr>
-          <p:spPr>
-            <a:xfrm>
-              <a:off x="5250180" y="1883664"/>
-              <a:ext cx="1691640" cy="0"/>
-            </a:xfrm>
-            <a:prstGeom prst="line">
-              <a:avLst/>
-            </a:prstGeom>
-            <a:solidFill>
-              <a:schemeClr val="tx1">
-                <a:lumMod val="85000"/>
-                <a:lumOff val="15000"/>
-              </a:schemeClr>
-            </a:solidFill>
-            <a:ln>
-              <a:solidFill>
-                <a:srgbClr val="FFFFFF"/>
-              </a:solidFill>
-              <a:miter lim="800000"/>
-            </a:ln>
-          </p:spPr>
-          <p:style>
-            <a:lnRef idx="1">
-              <a:schemeClr val="accent1"/>
-            </a:lnRef>
-            <a:fillRef idx="0">
-              <a:schemeClr val="accent1"/>
-            </a:fillRef>
-            <a:effectRef idx="0">
-              <a:schemeClr val="accent1"/>
-            </a:effectRef>
-            <a:fontRef idx="minor">
-              <a:schemeClr val="tx1"/>
-            </a:fontRef>
-          </p:style>
-        </p:cxnSp>
-      </p:grpSp>
-      <p:sp>
-        <p:nvSpPr>
-          <p:cNvPr id="51" name="Rectangle 50">
-            <a:extLst>
-              <a:ext uri="{FF2B5EF4-FFF2-40B4-BE49-F238E27FC236}">
-                <a16:creationId xmlns:a16="http://schemas.microsoft.com/office/drawing/2014/main" id="{B66F8A2C-B8CF-4B20-9A73-2ADCF6302755}"/>
-              </a:ext>
-              <a:ext uri="{C183D7F6-B498-43B3-948B-1728B52AA6E4}">
-                <adec:decorative xmlns:adec="http://schemas.microsoft.com/office/drawing/2017/decorative" val="1"/>
-              </a:ext>
-            </a:extLst>
-          </p:cNvPr>
-          <p:cNvSpPr>
-            <a:spLocks noGrp="1" noRot="1" noChangeAspect="1" noMove="1" noResize="1" noEditPoints="1" noAdjustHandles="1" noChangeArrowheads="1" noChangeShapeType="1" noTextEdit="1"/>
-          </p:cNvSpPr>
-          <p:nvPr>
-            <p:extLst>
-              <p:ext uri="{386F3935-93C4-4BCD-93E2-E3B085C9AB24}">
-                <p16:designElem xmlns:p16="http://schemas.microsoft.com/office/powerpoint/2015/main" val="1"/>
-              </p:ext>
-            </p:extLst>
-          </p:nvPr>
-        </p:nvSpPr>
-        <p:spPr>
-          <a:xfrm>
-            <a:off x="0" y="0"/>
-            <a:ext cx="12192001" cy="6858000"/>
-          </a:xfrm>
-          <a:prstGeom prst="rect">
-            <a:avLst/>
-          </a:prstGeom>
-          <a:solidFill>
-            <a:schemeClr val="tx1">
-              <a:lumMod val="85000"/>
-            </a:schemeClr>
-          </a:solidFill>
-          <a:ln>
-            <a:noFill/>
-          </a:ln>
-        </p:spPr>
-        <p:style>
-          <a:lnRef idx="2">
-            <a:schemeClr val="accent1">
-              <a:shade val="50000"/>
-            </a:schemeClr>
-          </a:lnRef>
-          <a:fillRef idx="1">
-            <a:schemeClr val="accent1"/>
-          </a:fillRef>
-          <a:effectRef idx="0">
-            <a:schemeClr val="accent1"/>
-          </a:effectRef>
-          <a:fontRef idx="minor">
-            <a:schemeClr val="lt1"/>
-          </a:fontRef>
-        </p:style>
-        <p:txBody>
-          <a:bodyPr rot="0" spcFirstLastPara="0" vert="horz" wrap="square" lIns="91440" tIns="45720" rIns="91440" bIns="45720" numCol="1" spcCol="0" rtlCol="0" fromWordArt="0" anchor="ctr" anchorCtr="0" forceAA="0" compatLnSpc="1">
-            <a:prstTxWarp prst="textNoShape">
-              <a:avLst/>
-            </a:prstTxWarp>
-            <a:noAutofit/>
-          </a:bodyPr>
-          <a:lstStyle>
-            <a:defPPr>
-              <a:defRPr lang="en-US"/>
-            </a:defPPr>
-            <a:lvl1pPr marL="0" algn="l" defTabSz="914400" rtl="0" eaLnBrk="1" latinLnBrk="0" hangingPunct="1">
-              <a:defRPr sz="1800" kern="1200">
-                <a:solidFill>
-                  <a:schemeClr val="lt1"/>
-                </a:solidFill>
-                <a:latin typeface="+mn-lt"/>
-                <a:ea typeface="+mn-ea"/>
-                <a:cs typeface="+mn-cs"/>
-              </a:defRPr>
-            </a:lvl1pPr>
-            <a:lvl2pPr marL="457200" algn="l" defTabSz="914400" rtl="0" eaLnBrk="1" latinLnBrk="0" hangingPunct="1">
-              <a:defRPr sz="1800" kern="1200">
-                <a:solidFill>
-                  <a:schemeClr val="lt1"/>
-                </a:solidFill>
-                <a:latin typeface="+mn-lt"/>
-                <a:ea typeface="+mn-ea"/>
-                <a:cs typeface="+mn-cs"/>
-              </a:defRPr>
-            </a:lvl2pPr>
-            <a:lvl3pPr marL="914400" algn="l" defTabSz="914400" rtl="0" eaLnBrk="1" latinLnBrk="0" hangingPunct="1">
-              <a:defRPr sz="1800" kern="1200">
-                <a:solidFill>
-                  <a:schemeClr val="lt1"/>
-                </a:solidFill>
-                <a:latin typeface="+mn-lt"/>
-                <a:ea typeface="+mn-ea"/>
-                <a:cs typeface="+mn-cs"/>
-              </a:defRPr>
-            </a:lvl3pPr>
-            <a:lvl4pPr marL="1371600" algn="l" defTabSz="914400" rtl="0" eaLnBrk="1" latinLnBrk="0" hangingPunct="1">
-              <a:defRPr sz="1800" kern="1200">
-                <a:solidFill>
-                  <a:schemeClr val="lt1"/>
-                </a:solidFill>
-                <a:latin typeface="+mn-lt"/>
-                <a:ea typeface="+mn-ea"/>
-                <a:cs typeface="+mn-cs"/>
-              </a:defRPr>
-            </a:lvl4pPr>
-            <a:lvl5pPr marL="1828800" algn="l" defTabSz="914400" rtl="0" eaLnBrk="1" latinLnBrk="0" hangingPunct="1">
-              <a:defRPr sz="1800" kern="1200">
-                <a:solidFill>
-                  <a:schemeClr val="lt1"/>
-                </a:solidFill>
-                <a:latin typeface="+mn-lt"/>
-                <a:ea typeface="+mn-ea"/>
-                <a:cs typeface="+mn-cs"/>
-              </a:defRPr>
-            </a:lvl5pPr>
-            <a:lvl6pPr marL="2286000" algn="l" defTabSz="914400" rtl="0" eaLnBrk="1" latinLnBrk="0" hangingPunct="1">
-              <a:defRPr sz="1800" kern="1200">
-                <a:solidFill>
-                  <a:schemeClr val="lt1"/>
-                </a:solidFill>
-                <a:latin typeface="+mn-lt"/>
-                <a:ea typeface="+mn-ea"/>
-                <a:cs typeface="+mn-cs"/>
-              </a:defRPr>
-            </a:lvl6pPr>
-            <a:lvl7pPr marL="2743200" algn="l" defTabSz="914400" rtl="0" eaLnBrk="1" latinLnBrk="0" hangingPunct="1">
-              <a:defRPr sz="1800" kern="1200">
-                <a:solidFill>
-                  <a:schemeClr val="lt1"/>
-                </a:solidFill>
-                <a:latin typeface="+mn-lt"/>
-                <a:ea typeface="+mn-ea"/>
-                <a:cs typeface="+mn-cs"/>
-              </a:defRPr>
-            </a:lvl7pPr>
-            <a:lvl8pPr marL="3200400" algn="l" defTabSz="914400" rtl="0" eaLnBrk="1" latinLnBrk="0" hangingPunct="1">
-              <a:defRPr sz="1800" kern="1200">
-                <a:solidFill>
-                  <a:schemeClr val="lt1"/>
-                </a:solidFill>
-                <a:latin typeface="+mn-lt"/>
-                <a:ea typeface="+mn-ea"/>
-                <a:cs typeface="+mn-cs"/>
-              </a:defRPr>
-            </a:lvl8pPr>
-            <a:lvl9pPr marL="3657600" algn="l" defTabSz="914400" rtl="0" eaLnBrk="1" latinLnBrk="0" hangingPunct="1">
-              <a:defRPr sz="1800" kern="1200">
-                <a:solidFill>
-                  <a:schemeClr val="lt1"/>
-                </a:solidFill>
-                <a:latin typeface="+mn-lt"/>
-                <a:ea typeface="+mn-ea"/>
-                <a:cs typeface="+mn-cs"/>
-              </a:defRPr>
-            </a:lvl9pPr>
-          </a:lstStyle>
-          <a:p>
-            <a:pPr algn="ctr"/>
-            <a:endParaRPr lang="en-US"/>
-          </a:p>
-        </p:txBody>
-      </p:sp>
-      <p:sp>
-        <p:nvSpPr>
-          <p:cNvPr id="53" name="Rectangle 52">
-            <a:extLst>
-              <a:ext uri="{FF2B5EF4-FFF2-40B4-BE49-F238E27FC236}">
-                <a16:creationId xmlns:a16="http://schemas.microsoft.com/office/drawing/2014/main" id="{B5DD78E9-DE0D-47AF-A0DB-F475221E3DC7}"/>
-              </a:ext>
-              <a:ext uri="{C183D7F6-B498-43B3-948B-1728B52AA6E4}">
-                <adec:decorative xmlns:adec="http://schemas.microsoft.com/office/drawing/2017/decorative" val="1"/>
-              </a:ext>
-            </a:extLst>
-          </p:cNvPr>
-          <p:cNvSpPr>
-            <a:spLocks noGrp="1" noRot="1" noChangeAspect="1" noMove="1" noResize="1" noEditPoints="1" noAdjustHandles="1" noChangeArrowheads="1" noChangeShapeType="1" noTextEdit="1"/>
-          </p:cNvSpPr>
-          <p:nvPr>
-            <p:extLst>
-              <p:ext uri="{386F3935-93C4-4BCD-93E2-E3B085C9AB24}">
-                <p16:designElem xmlns:p16="http://schemas.microsoft.com/office/powerpoint/2015/main" val="1"/>
-              </p:ext>
-            </p:extLst>
-          </p:nvPr>
-        </p:nvSpPr>
-        <p:spPr>
-          <a:xfrm>
-            <a:off x="632108" y="610955"/>
-            <a:ext cx="10927784" cy="5636090"/>
-          </a:xfrm>
-          <a:prstGeom prst="rect">
-            <a:avLst/>
-          </a:prstGeom>
-          <a:solidFill>
-            <a:srgbClr val="FFFFFF"/>
-          </a:solidFill>
-          <a:ln w="6350" cap="flat" cmpd="sng" algn="ctr">
-            <a:noFill/>
-            <a:prstDash val="solid"/>
-          </a:ln>
-          <a:effectLst>
-            <a:outerShdw blurRad="50800" algn="ctr" rotWithShape="0">
-              <a:prstClr val="black">
-                <a:alpha val="66000"/>
-              </a:prstClr>
-            </a:outerShdw>
-            <a:softEdge rad="0"/>
-          </a:effectLst>
-        </p:spPr>
-      </p:sp>
-      <p:sp>
-        <p:nvSpPr>
-          <p:cNvPr id="55" name="Rectangle 54">
-            <a:extLst>
-              <a:ext uri="{FF2B5EF4-FFF2-40B4-BE49-F238E27FC236}">
-                <a16:creationId xmlns:a16="http://schemas.microsoft.com/office/drawing/2014/main" id="{A118D329-2010-4A15-B57C-429FFAE35B11}"/>
-              </a:ext>
-              <a:ext uri="{C183D7F6-B498-43B3-948B-1728B52AA6E4}">
-                <adec:decorative xmlns:adec="http://schemas.microsoft.com/office/drawing/2017/decorative" val="1"/>
-              </a:ext>
-            </a:extLst>
-          </p:cNvPr>
-          <p:cNvSpPr>
-            <a:spLocks noGrp="1" noRot="1" noChangeAspect="1" noMove="1" noResize="1" noEditPoints="1" noAdjustHandles="1" noChangeArrowheads="1" noChangeShapeType="1" noTextEdit="1"/>
-          </p:cNvSpPr>
-          <p:nvPr>
-            <p:extLst>
-              <p:ext uri="{386F3935-93C4-4BCD-93E2-E3B085C9AB24}">
-                <p16:designElem xmlns:p16="http://schemas.microsoft.com/office/powerpoint/2015/main" val="1"/>
-              </p:ext>
-            </p:extLst>
-          </p:nvPr>
-        </p:nvSpPr>
-        <p:spPr>
-          <a:xfrm>
-            <a:off x="797052" y="777240"/>
-            <a:ext cx="10597896" cy="5303520"/>
-          </a:xfrm>
-          <a:prstGeom prst="rect">
-            <a:avLst/>
-          </a:prstGeom>
-          <a:solidFill>
-            <a:schemeClr val="bg1">
-              <a:lumMod val="85000"/>
-              <a:lumOff val="15000"/>
-            </a:schemeClr>
-          </a:solidFill>
-          <a:ln w="6350" cap="sq" cmpd="sng" algn="ctr">
-            <a:solidFill>
-              <a:schemeClr val="tx1"/>
-            </a:solidFill>
-            <a:prstDash val="solid"/>
-            <a:miter lim="800000"/>
-          </a:ln>
-          <a:effectLst/>
-        </p:spPr>
-      </p:sp>
-      <p:sp>
-        <p:nvSpPr>
           <p:cNvPr id="2" name="Title 1">
             <a:extLst>
               <a:ext uri="{FF2B5EF4-FFF2-40B4-BE49-F238E27FC236}">
-                <a16:creationId xmlns:a16="http://schemas.microsoft.com/office/drawing/2014/main" id="{6628C520-EFA4-BA46-A6A0-520261D303A9}"/>
+                <a16:creationId xmlns:a16="http://schemas.microsoft.com/office/drawing/2014/main" id="{44CD05CC-ABAB-B843-BE1F-89A810A0AD20}"/>
               </a:ext>
             </a:extLst>
           </p:cNvPr>
@@ -14875,98 +14278,56 @@
             <p:ph type="title"/>
           </p:nvPr>
         </p:nvSpPr>
-        <p:spPr>
-          <a:xfrm>
-            <a:off x="1263520" y="1272800"/>
-            <a:ext cx="6544620" cy="4312402"/>
-          </a:xfrm>
-        </p:spPr>
+        <p:spPr/>
         <p:txBody>
-          <a:bodyPr vert="horz" lIns="91440" tIns="45720" rIns="91440" bIns="45720" rtlCol="0" anchor="ctr">
-            <a:normAutofit/>
-          </a:bodyPr>
+          <a:bodyPr/>
           <a:lstStyle/>
           <a:p>
-            <a:pPr algn="r">
-              <a:lnSpc>
-                <a:spcPct val="83000"/>
-              </a:lnSpc>
-            </a:pPr>
-            <a:r>
-              <a:rPr lang="en-US" sz="6800" b="0" cap="all" spc="-100" dirty="0">
-                <a:solidFill>
-                  <a:schemeClr val="tx1"/>
-                </a:solidFill>
-              </a:rPr>
-              <a:t>Questions </a:t>
+            <a:r>
+              <a:rPr lang="en-US" dirty="0"/>
+              <a:t>Comparison of Models Used for Prediction</a:t>
             </a:r>
           </a:p>
         </p:txBody>
       </p:sp>
-      <p:cxnSp>
-        <p:nvCxnSpPr>
-          <p:cNvPr id="57" name="Straight Connector 56">
+      <p:pic>
+        <p:nvPicPr>
+          <p:cNvPr id="5" name="Content Placeholder 4" descr="A screenshot of a cell phone&#10;&#10;Description automatically generated">
             <a:extLst>
               <a:ext uri="{FF2B5EF4-FFF2-40B4-BE49-F238E27FC236}">
-                <a16:creationId xmlns:a16="http://schemas.microsoft.com/office/drawing/2014/main" id="{994262BC-EE98-4BD6-82DB-4955E8DCC290}"/>
-              </a:ext>
-              <a:ext uri="{C183D7F6-B498-43B3-948B-1728B52AA6E4}">
-                <adec:decorative xmlns:adec="http://schemas.microsoft.com/office/drawing/2017/decorative" val="1"/>
+                <a16:creationId xmlns:a16="http://schemas.microsoft.com/office/drawing/2014/main" id="{EE37CA6A-C29B-094C-B03D-C8BC1C4E3C22}"/>
               </a:ext>
             </a:extLst>
           </p:cNvPr>
-          <p:cNvCxnSpPr>
-            <a:cxnSpLocks noGrp="1" noRot="1" noChangeAspect="1" noMove="1" noResize="1" noEditPoints="1" noAdjustHandles="1" noChangeArrowheads="1" noChangeShapeType="1"/>
-          </p:cNvCxnSpPr>
-          <p:nvPr>
-            <p:extLst>
-              <p:ext uri="{386F3935-93C4-4BCD-93E2-E3B085C9AB24}">
-                <p16:designElem xmlns:p16="http://schemas.microsoft.com/office/powerpoint/2015/main" val="1"/>
-              </p:ext>
-            </p:extLst>
-          </p:nvPr>
-        </p:nvCxnSpPr>
-        <p:spPr>
-          <a:xfrm>
-            <a:off x="8129872" y="2057401"/>
-            <a:ext cx="0" cy="2743200"/>
-          </a:xfrm>
-          <a:prstGeom prst="line">
-            <a:avLst/>
-          </a:prstGeom>
-          <a:ln w="12700">
-            <a:solidFill>
-              <a:schemeClr val="tx1">
-                <a:lumMod val="75000"/>
-                <a:lumOff val="25000"/>
-              </a:schemeClr>
-            </a:solidFill>
-          </a:ln>
-        </p:spPr>
-        <p:style>
-          <a:lnRef idx="1">
-            <a:schemeClr val="accent1"/>
-          </a:lnRef>
-          <a:fillRef idx="0">
-            <a:schemeClr val="accent1"/>
-          </a:fillRef>
-          <a:effectRef idx="0">
-            <a:schemeClr val="accent1"/>
-          </a:effectRef>
-          <a:fontRef idx="minor">
-            <a:schemeClr val="tx1"/>
-          </a:fontRef>
-        </p:style>
-      </p:cxnSp>
+          <p:cNvPicPr>
+            <a:picLocks noGrp="1" noChangeAspect="1"/>
+          </p:cNvPicPr>
+          <p:nvPr>
+            <p:ph idx="1"/>
+          </p:nvPr>
+        </p:nvPicPr>
+        <p:blipFill>
+          <a:blip r:embed="rId2"/>
+          <a:stretch>
+            <a:fillRect/>
+          </a:stretch>
+        </p:blipFill>
+        <p:spPr>
+          <a:xfrm>
+            <a:off x="3497801" y="2103438"/>
+            <a:ext cx="5196397" cy="3849687"/>
+          </a:xfrm>
+        </p:spPr>
+      </p:pic>
     </p:spTree>
     <p:extLst>
       <p:ext uri="{BB962C8B-B14F-4D97-AF65-F5344CB8AC3E}">
-        <p14:creationId xmlns:p14="http://schemas.microsoft.com/office/powerpoint/2010/main" val="427337305"/>
+        <p14:creationId xmlns:p14="http://schemas.microsoft.com/office/powerpoint/2010/main" val="1838061541"/>
       </p:ext>
     </p:extLst>
   </p:cSld>
   <p:clrMapOvr>
-    <a:overrideClrMapping bg1="dk1" tx1="lt1" bg2="dk2" tx2="lt2" accent1="accent1" accent2="accent2" accent3="accent3" accent4="accent4" accent5="accent5" accent6="accent6" hlink="hlink" folHlink="folHlink"/>
+    <a:masterClrMapping/>
   </p:clrMapOvr>
 </p:sld>
 </file>
@@ -16184,7 +15545,7 @@
             </a:r>
             <a:r>
               <a:rPr lang="en-US" sz="2900" dirty="0">
-                <a:hlinkClick r:id="rId2"/>
+                <a:hlinkClick r:id="rId3"/>
               </a:rPr>
               <a:t>https://www.kaggle.com/einsteindata4u/covid19</a:t>
             </a:r>
@@ -16207,15 +15568,7 @@
             </a:pPr>
             <a:r>
               <a:rPr lang="en-US" sz="2900" dirty="0"/>
-              <a:t>Total data of 5,644 patients were taken consisting of  over 100 columns of patients Laboratory test results, out of which top 10 columns were selected based on the model scores. In this project we have used several models( Logistic Regression, Random Forest Classifier, SVC </a:t>
-            </a:r>
-            <a:r>
-              <a:rPr lang="en-US" sz="2900" dirty="0" err="1"/>
-              <a:t>etc</a:t>
-            </a:r>
-            <a:r>
-              <a:rPr lang="en-US" sz="2900" dirty="0"/>
-              <a:t> ) for possible prediction of the test result for COVID-19 (positive/negative) based on the below listed column features:</a:t>
+              <a:t>Total data of 5,644 patients were taken consisting of  over 100 columns of patients Laboratory test results, out of which top 10 columns were selected based on the model scores. In this project we have used several models( Logistic Regression, Random Forest Classifier) for possible prediction of the test result for COVID-19 (positive/negative) based on the below listed column features:</a:t>
             </a:r>
           </a:p>
           <a:p>
